--- a/HP1 Ejercicios WF.pptx
+++ b/HP1 Ejercicios WF.pptx
@@ -5,7 +5,7 @@
     <p:sldMasterId id="2147483648" r:id="rId1"/>
   </p:sldMasterIdLst>
   <p:notesMasterIdLst>
-    <p:notesMasterId r:id="rId12"/>
+    <p:notesMasterId r:id="rId13"/>
   </p:notesMasterIdLst>
   <p:sldIdLst>
     <p:sldId id="256" r:id="rId2"/>
@@ -18,6 +18,7 @@
     <p:sldId id="260" r:id="rId9"/>
     <p:sldId id="261" r:id="rId10"/>
     <p:sldId id="262" r:id="rId11"/>
+    <p:sldId id="266" r:id="rId12"/>
   </p:sldIdLst>
   <p:sldSz cx="12192000" cy="6858000"/>
   <p:notesSz cx="6858000" cy="9144000"/>
@@ -206,7 +207,7 @@
           <a:p>
             <a:fld id="{C8F7EF05-FE3D-4EB2-8F26-C787BA5AB45E}" type="datetimeFigureOut">
               <a:rPr lang="es-ES" smtClean="0"/>
-              <a:t>03/04/2020</a:t>
+              <a:t>24/04/2020</a:t>
             </a:fld>
             <a:endParaRPr lang="es-ES"/>
           </a:p>
@@ -523,7 +524,7 @@
           <a:noFill/>
           <a:extLst>
             <a:ext uri="{909E8E84-426E-40dd-AFC4-6F175D3DCCD1}">
-              <a14:hiddenFill xmlns="" xmlns:a14="http://schemas.microsoft.com/office/drawing/2010/main">
+              <a14:hiddenFill xmlns:a14="http://schemas.microsoft.com/office/drawing/2010/main" xmlns="">
                 <a:solidFill>
                   <a:srgbClr val="FFFFFF"/>
                 </a:solidFill>
@@ -583,7 +584,7 @@
             </a:ln>
             <a:extLst>
               <a:ext uri="{91240B29-F687-4f45-9708-019B960494DF}">
-                <a14:hiddenLine xmlns="" xmlns:a14="http://schemas.microsoft.com/office/drawing/2010/main" w="9525">
+                <a14:hiddenLine xmlns:a14="http://schemas.microsoft.com/office/drawing/2010/main" xmlns="" w="9525">
                   <a:solidFill>
                     <a:srgbClr val="000000"/>
                   </a:solidFill>
@@ -673,7 +674,7 @@
             </a:ln>
             <a:extLst>
               <a:ext uri="{91240B29-F687-4f45-9708-019B960494DF}">
-                <a14:hiddenLine xmlns="" xmlns:a14="http://schemas.microsoft.com/office/drawing/2010/main" w="9525">
+                <a14:hiddenLine xmlns:a14="http://schemas.microsoft.com/office/drawing/2010/main" xmlns="" w="9525">
                   <a:solidFill>
                     <a:srgbClr val="000000"/>
                   </a:solidFill>
@@ -763,7 +764,7 @@
             </a:ln>
             <a:extLst>
               <a:ext uri="{91240B29-F687-4f45-9708-019B960494DF}">
-                <a14:hiddenLine xmlns="" xmlns:a14="http://schemas.microsoft.com/office/drawing/2010/main" w="9525">
+                <a14:hiddenLine xmlns:a14="http://schemas.microsoft.com/office/drawing/2010/main" xmlns="" w="9525">
                   <a:solidFill>
                     <a:srgbClr val="000000"/>
                   </a:solidFill>
@@ -797,7 +798,7 @@
             </a:ln>
             <a:extLst>
               <a:ext uri="{91240B29-F687-4f45-9708-019B960494DF}">
-                <a14:hiddenLine xmlns="" xmlns:a14="http://schemas.microsoft.com/office/drawing/2010/main" w="9525">
+                <a14:hiddenLine xmlns:a14="http://schemas.microsoft.com/office/drawing/2010/main" xmlns="" w="9525">
                   <a:solidFill>
                     <a:srgbClr val="000000"/>
                   </a:solidFill>
@@ -887,7 +888,7 @@
             </a:ln>
             <a:extLst>
               <a:ext uri="{91240B29-F687-4f45-9708-019B960494DF}">
-                <a14:hiddenLine xmlns="" xmlns:a14="http://schemas.microsoft.com/office/drawing/2010/main" w="9525">
+                <a14:hiddenLine xmlns:a14="http://schemas.microsoft.com/office/drawing/2010/main" xmlns="" w="9525">
                   <a:solidFill>
                     <a:srgbClr val="000000"/>
                   </a:solidFill>
@@ -949,7 +950,7 @@
             </a:ln>
             <a:extLst>
               <a:ext uri="{91240B29-F687-4f45-9708-019B960494DF}">
-                <a14:hiddenLine xmlns="" xmlns:a14="http://schemas.microsoft.com/office/drawing/2010/main" w="9525">
+                <a14:hiddenLine xmlns:a14="http://schemas.microsoft.com/office/drawing/2010/main" xmlns="" w="9525">
                   <a:solidFill>
                     <a:srgbClr val="000000"/>
                   </a:solidFill>
@@ -1011,7 +1012,7 @@
             </a:ln>
             <a:extLst>
               <a:ext uri="{91240B29-F687-4f45-9708-019B960494DF}">
-                <a14:hiddenLine xmlns="" xmlns:a14="http://schemas.microsoft.com/office/drawing/2010/main" w="9525">
+                <a14:hiddenLine xmlns:a14="http://schemas.microsoft.com/office/drawing/2010/main" xmlns="" w="9525">
                   <a:solidFill>
                     <a:srgbClr val="000000"/>
                   </a:solidFill>
@@ -1101,7 +1102,7 @@
             </a:ln>
             <a:extLst>
               <a:ext uri="{91240B29-F687-4f45-9708-019B960494DF}">
-                <a14:hiddenLine xmlns="" xmlns:a14="http://schemas.microsoft.com/office/drawing/2010/main" w="9525">
+                <a14:hiddenLine xmlns:a14="http://schemas.microsoft.com/office/drawing/2010/main" xmlns="" w="9525">
                   <a:solidFill>
                     <a:srgbClr val="000000"/>
                   </a:solidFill>
@@ -1163,7 +1164,7 @@
             </a:ln>
             <a:extLst>
               <a:ext uri="{91240B29-F687-4f45-9708-019B960494DF}">
-                <a14:hiddenLine xmlns="" xmlns:a14="http://schemas.microsoft.com/office/drawing/2010/main" w="9525">
+                <a14:hiddenLine xmlns:a14="http://schemas.microsoft.com/office/drawing/2010/main" xmlns="" w="9525">
                   <a:solidFill>
                     <a:srgbClr val="000000"/>
                   </a:solidFill>
@@ -1225,7 +1226,7 @@
             </a:ln>
             <a:extLst>
               <a:ext uri="{91240B29-F687-4f45-9708-019B960494DF}">
-                <a14:hiddenLine xmlns="" xmlns:a14="http://schemas.microsoft.com/office/drawing/2010/main" w="9525">
+                <a14:hiddenLine xmlns:a14="http://schemas.microsoft.com/office/drawing/2010/main" xmlns="" w="9525">
                   <a:solidFill>
                     <a:srgbClr val="000000"/>
                   </a:solidFill>
@@ -1315,7 +1316,7 @@
             </a:ln>
             <a:extLst>
               <a:ext uri="{91240B29-F687-4f45-9708-019B960494DF}">
-                <a14:hiddenLine xmlns="" xmlns:a14="http://schemas.microsoft.com/office/drawing/2010/main" w="9525">
+                <a14:hiddenLine xmlns:a14="http://schemas.microsoft.com/office/drawing/2010/main" xmlns="" w="9525">
                   <a:solidFill>
                     <a:srgbClr val="000000"/>
                   </a:solidFill>
@@ -1405,7 +1406,7 @@
             </a:ln>
             <a:extLst>
               <a:ext uri="{91240B29-F687-4f45-9708-019B960494DF}">
-                <a14:hiddenLine xmlns="" xmlns:a14="http://schemas.microsoft.com/office/drawing/2010/main" w="9525">
+                <a14:hiddenLine xmlns:a14="http://schemas.microsoft.com/office/drawing/2010/main" xmlns="" w="9525">
                   <a:solidFill>
                     <a:srgbClr val="000000"/>
                   </a:solidFill>
@@ -1467,7 +1468,7 @@
             </a:ln>
             <a:extLst>
               <a:ext uri="{91240B29-F687-4f45-9708-019B960494DF}">
-                <a14:hiddenLine xmlns="" xmlns:a14="http://schemas.microsoft.com/office/drawing/2010/main" w="9525">
+                <a14:hiddenLine xmlns:a14="http://schemas.microsoft.com/office/drawing/2010/main" xmlns="" w="9525">
                   <a:solidFill>
                     <a:srgbClr val="000000"/>
                   </a:solidFill>
@@ -1577,7 +1578,7 @@
             </a:ln>
             <a:extLst>
               <a:ext uri="{91240B29-F687-4f45-9708-019B960494DF}">
-                <a14:hiddenLine xmlns="" xmlns:a14="http://schemas.microsoft.com/office/drawing/2010/main" w="9525">
+                <a14:hiddenLine xmlns:a14="http://schemas.microsoft.com/office/drawing/2010/main" xmlns="" w="9525">
                   <a:solidFill>
                     <a:srgbClr val="000000"/>
                   </a:solidFill>
@@ -1639,7 +1640,7 @@
             </a:ln>
             <a:extLst>
               <a:ext uri="{91240B29-F687-4f45-9708-019B960494DF}">
-                <a14:hiddenLine xmlns="" xmlns:a14="http://schemas.microsoft.com/office/drawing/2010/main" w="9525">
+                <a14:hiddenLine xmlns:a14="http://schemas.microsoft.com/office/drawing/2010/main" xmlns="" w="9525">
                   <a:solidFill>
                     <a:srgbClr val="000000"/>
                   </a:solidFill>
@@ -1729,7 +1730,7 @@
             </a:ln>
             <a:extLst>
               <a:ext uri="{91240B29-F687-4f45-9708-019B960494DF}">
-                <a14:hiddenLine xmlns="" xmlns:a14="http://schemas.microsoft.com/office/drawing/2010/main" w="9525">
+                <a14:hiddenLine xmlns:a14="http://schemas.microsoft.com/office/drawing/2010/main" xmlns="" w="9525">
                   <a:solidFill>
                     <a:srgbClr val="000000"/>
                   </a:solidFill>
@@ -1819,7 +1820,7 @@
             </a:ln>
             <a:extLst>
               <a:ext uri="{91240B29-F687-4f45-9708-019B960494DF}">
-                <a14:hiddenLine xmlns="" xmlns:a14="http://schemas.microsoft.com/office/drawing/2010/main" w="9525">
+                <a14:hiddenLine xmlns:a14="http://schemas.microsoft.com/office/drawing/2010/main" xmlns="" w="9525">
                   <a:solidFill>
                     <a:srgbClr val="000000"/>
                   </a:solidFill>
@@ -1881,7 +1882,7 @@
             </a:ln>
             <a:extLst>
               <a:ext uri="{91240B29-F687-4f45-9708-019B960494DF}">
-                <a14:hiddenLine xmlns="" xmlns:a14="http://schemas.microsoft.com/office/drawing/2010/main" w="9525">
+                <a14:hiddenLine xmlns:a14="http://schemas.microsoft.com/office/drawing/2010/main" xmlns="" w="9525">
                   <a:solidFill>
                     <a:srgbClr val="000000"/>
                   </a:solidFill>
@@ -1971,7 +1972,7 @@
             </a:ln>
             <a:extLst>
               <a:ext uri="{91240B29-F687-4f45-9708-019B960494DF}">
-                <a14:hiddenLine xmlns="" xmlns:a14="http://schemas.microsoft.com/office/drawing/2010/main" w="9525">
+                <a14:hiddenLine xmlns:a14="http://schemas.microsoft.com/office/drawing/2010/main" xmlns="" w="9525">
                   <a:solidFill>
                     <a:srgbClr val="000000"/>
                   </a:solidFill>
@@ -2061,7 +2062,7 @@
             </a:ln>
             <a:extLst>
               <a:ext uri="{91240B29-F687-4f45-9708-019B960494DF}">
-                <a14:hiddenLine xmlns="" xmlns:a14="http://schemas.microsoft.com/office/drawing/2010/main" w="9525">
+                <a14:hiddenLine xmlns:a14="http://schemas.microsoft.com/office/drawing/2010/main" xmlns="" w="9525">
                   <a:solidFill>
                     <a:srgbClr val="000000"/>
                   </a:solidFill>
@@ -2117,7 +2118,7 @@
             </a:ln>
             <a:extLst>
               <a:ext uri="{91240B29-F687-4f45-9708-019B960494DF}">
-                <a14:hiddenLine xmlns="" xmlns:a14="http://schemas.microsoft.com/office/drawing/2010/main" w="9525">
+                <a14:hiddenLine xmlns:a14="http://schemas.microsoft.com/office/drawing/2010/main" xmlns="" w="9525">
                   <a:solidFill>
                     <a:srgbClr val="000000"/>
                   </a:solidFill>
@@ -2207,7 +2208,7 @@
             </a:ln>
             <a:extLst>
               <a:ext uri="{91240B29-F687-4f45-9708-019B960494DF}">
-                <a14:hiddenLine xmlns="" xmlns:a14="http://schemas.microsoft.com/office/drawing/2010/main" w="9525">
+                <a14:hiddenLine xmlns:a14="http://schemas.microsoft.com/office/drawing/2010/main" xmlns="" w="9525">
                   <a:solidFill>
                     <a:srgbClr val="000000"/>
                   </a:solidFill>
@@ -2263,7 +2264,7 @@
             </a:ln>
             <a:extLst>
               <a:ext uri="{91240B29-F687-4f45-9708-019B960494DF}">
-                <a14:hiddenLine xmlns="" xmlns:a14="http://schemas.microsoft.com/office/drawing/2010/main" w="9525">
+                <a14:hiddenLine xmlns:a14="http://schemas.microsoft.com/office/drawing/2010/main" xmlns="" w="9525">
                   <a:solidFill>
                     <a:srgbClr val="000000"/>
                   </a:solidFill>
@@ -2353,7 +2354,7 @@
             </a:ln>
             <a:extLst>
               <a:ext uri="{91240B29-F687-4f45-9708-019B960494DF}">
-                <a14:hiddenLine xmlns="" xmlns:a14="http://schemas.microsoft.com/office/drawing/2010/main" w="9525">
+                <a14:hiddenLine xmlns:a14="http://schemas.microsoft.com/office/drawing/2010/main" xmlns="" w="9525">
                   <a:solidFill>
                     <a:srgbClr val="000000"/>
                   </a:solidFill>
@@ -2421,7 +2422,7 @@
             </a:ln>
             <a:extLst>
               <a:ext uri="{91240B29-F687-4f45-9708-019B960494DF}">
-                <a14:hiddenLine xmlns="" xmlns:a14="http://schemas.microsoft.com/office/drawing/2010/main" w="9525">
+                <a14:hiddenLine xmlns:a14="http://schemas.microsoft.com/office/drawing/2010/main" xmlns="" w="9525">
                   <a:solidFill>
                     <a:srgbClr val="000000"/>
                   </a:solidFill>
@@ -2511,7 +2512,7 @@
             </a:ln>
             <a:extLst>
               <a:ext uri="{91240B29-F687-4f45-9708-019B960494DF}">
-                <a14:hiddenLine xmlns="" xmlns:a14="http://schemas.microsoft.com/office/drawing/2010/main" w="9525">
+                <a14:hiddenLine xmlns:a14="http://schemas.microsoft.com/office/drawing/2010/main" xmlns="" w="9525">
                   <a:solidFill>
                     <a:srgbClr val="000000"/>
                   </a:solidFill>
@@ -2579,7 +2580,7 @@
             </a:ln>
             <a:extLst>
               <a:ext uri="{91240B29-F687-4f45-9708-019B960494DF}">
-                <a14:hiddenLine xmlns="" xmlns:a14="http://schemas.microsoft.com/office/drawing/2010/main" w="9525">
+                <a14:hiddenLine xmlns:a14="http://schemas.microsoft.com/office/drawing/2010/main" xmlns="" w="9525">
                   <a:solidFill>
                     <a:srgbClr val="000000"/>
                   </a:solidFill>
@@ -2669,7 +2670,7 @@
             </a:ln>
             <a:extLst>
               <a:ext uri="{91240B29-F687-4f45-9708-019B960494DF}">
-                <a14:hiddenLine xmlns="" xmlns:a14="http://schemas.microsoft.com/office/drawing/2010/main" w="9525">
+                <a14:hiddenLine xmlns:a14="http://schemas.microsoft.com/office/drawing/2010/main" xmlns="" w="9525">
                   <a:solidFill>
                     <a:srgbClr val="000000"/>
                   </a:solidFill>
@@ -2703,7 +2704,7 @@
             </a:ln>
             <a:extLst>
               <a:ext uri="{91240B29-F687-4f45-9708-019B960494DF}">
-                <a14:hiddenLine xmlns="" xmlns:a14="http://schemas.microsoft.com/office/drawing/2010/main" w="9525">
+                <a14:hiddenLine xmlns:a14="http://schemas.microsoft.com/office/drawing/2010/main" xmlns="" w="9525">
                   <a:solidFill>
                     <a:srgbClr val="000000"/>
                   </a:solidFill>
@@ -2793,7 +2794,7 @@
             </a:ln>
             <a:extLst>
               <a:ext uri="{91240B29-F687-4f45-9708-019B960494DF}">
-                <a14:hiddenLine xmlns="" xmlns:a14="http://schemas.microsoft.com/office/drawing/2010/main" w="9525">
+                <a14:hiddenLine xmlns:a14="http://schemas.microsoft.com/office/drawing/2010/main" xmlns="" w="9525">
                   <a:solidFill>
                     <a:srgbClr val="000000"/>
                   </a:solidFill>
@@ -2855,7 +2856,7 @@
             </a:ln>
             <a:extLst>
               <a:ext uri="{91240B29-F687-4f45-9708-019B960494DF}">
-                <a14:hiddenLine xmlns="" xmlns:a14="http://schemas.microsoft.com/office/drawing/2010/main" w="9525">
+                <a14:hiddenLine xmlns:a14="http://schemas.microsoft.com/office/drawing/2010/main" xmlns="" w="9525">
                   <a:solidFill>
                     <a:srgbClr val="000000"/>
                   </a:solidFill>
@@ -2917,7 +2918,7 @@
             </a:ln>
             <a:extLst>
               <a:ext uri="{91240B29-F687-4f45-9708-019B960494DF}">
-                <a14:hiddenLine xmlns="" xmlns:a14="http://schemas.microsoft.com/office/drawing/2010/main" w="9525">
+                <a14:hiddenLine xmlns:a14="http://schemas.microsoft.com/office/drawing/2010/main" xmlns="" w="9525">
                   <a:solidFill>
                     <a:srgbClr val="000000"/>
                   </a:solidFill>
@@ -3007,7 +3008,7 @@
             </a:ln>
             <a:extLst>
               <a:ext uri="{91240B29-F687-4f45-9708-019B960494DF}">
-                <a14:hiddenLine xmlns="" xmlns:a14="http://schemas.microsoft.com/office/drawing/2010/main" w="9525">
+                <a14:hiddenLine xmlns:a14="http://schemas.microsoft.com/office/drawing/2010/main" xmlns="" w="9525">
                   <a:solidFill>
                     <a:srgbClr val="000000"/>
                   </a:solidFill>
@@ -3075,7 +3076,7 @@
             </a:ln>
             <a:extLst>
               <a:ext uri="{91240B29-F687-4f45-9708-019B960494DF}">
-                <a14:hiddenLine xmlns="" xmlns:a14="http://schemas.microsoft.com/office/drawing/2010/main" w="9525">
+                <a14:hiddenLine xmlns:a14="http://schemas.microsoft.com/office/drawing/2010/main" xmlns="" w="9525">
                   <a:solidFill>
                     <a:srgbClr val="000000"/>
                   </a:solidFill>
@@ -3137,7 +3138,7 @@
             </a:ln>
             <a:extLst>
               <a:ext uri="{91240B29-F687-4f45-9708-019B960494DF}">
-                <a14:hiddenLine xmlns="" xmlns:a14="http://schemas.microsoft.com/office/drawing/2010/main" w="9525">
+                <a14:hiddenLine xmlns:a14="http://schemas.microsoft.com/office/drawing/2010/main" xmlns="" w="9525">
                   <a:solidFill>
                     <a:srgbClr val="000000"/>
                   </a:solidFill>
@@ -3227,7 +3228,7 @@
             </a:ln>
             <a:extLst>
               <a:ext uri="{91240B29-F687-4f45-9708-019B960494DF}">
-                <a14:hiddenLine xmlns="" xmlns:a14="http://schemas.microsoft.com/office/drawing/2010/main" w="9525">
+                <a14:hiddenLine xmlns:a14="http://schemas.microsoft.com/office/drawing/2010/main" xmlns="" w="9525">
                   <a:solidFill>
                     <a:srgbClr val="000000"/>
                   </a:solidFill>
@@ -3289,7 +3290,7 @@
             </a:ln>
             <a:extLst>
               <a:ext uri="{91240B29-F687-4f45-9708-019B960494DF}">
-                <a14:hiddenLine xmlns="" xmlns:a14="http://schemas.microsoft.com/office/drawing/2010/main" w="9525">
+                <a14:hiddenLine xmlns:a14="http://schemas.microsoft.com/office/drawing/2010/main" xmlns="" w="9525">
                   <a:solidFill>
                     <a:srgbClr val="000000"/>
                   </a:solidFill>
@@ -3379,7 +3380,7 @@
             </a:ln>
             <a:extLst>
               <a:ext uri="{91240B29-F687-4f45-9708-019B960494DF}">
-                <a14:hiddenLine xmlns="" xmlns:a14="http://schemas.microsoft.com/office/drawing/2010/main" w="9525">
+                <a14:hiddenLine xmlns:a14="http://schemas.microsoft.com/office/drawing/2010/main" xmlns="" w="9525">
                   <a:solidFill>
                     <a:srgbClr val="000000"/>
                   </a:solidFill>
@@ -3441,7 +3442,7 @@
             </a:ln>
             <a:extLst>
               <a:ext uri="{91240B29-F687-4f45-9708-019B960494DF}">
-                <a14:hiddenLine xmlns="" xmlns:a14="http://schemas.microsoft.com/office/drawing/2010/main" w="9525">
+                <a14:hiddenLine xmlns:a14="http://schemas.microsoft.com/office/drawing/2010/main" xmlns="" w="9525">
                   <a:solidFill>
                     <a:srgbClr val="000000"/>
                   </a:solidFill>
@@ -3531,7 +3532,7 @@
             </a:ln>
             <a:extLst>
               <a:ext uri="{91240B29-F687-4f45-9708-019B960494DF}">
-                <a14:hiddenLine xmlns="" xmlns:a14="http://schemas.microsoft.com/office/drawing/2010/main" w="9525">
+                <a14:hiddenLine xmlns:a14="http://schemas.microsoft.com/office/drawing/2010/main" xmlns="" w="9525">
                   <a:solidFill>
                     <a:srgbClr val="000000"/>
                   </a:solidFill>
@@ -3565,7 +3566,7 @@
             </a:ln>
             <a:extLst>
               <a:ext uri="{91240B29-F687-4f45-9708-019B960494DF}">
-                <a14:hiddenLine xmlns="" xmlns:a14="http://schemas.microsoft.com/office/drawing/2010/main" w="9525">
+                <a14:hiddenLine xmlns:a14="http://schemas.microsoft.com/office/drawing/2010/main" xmlns="" w="9525">
                   <a:solidFill>
                     <a:srgbClr val="000000"/>
                   </a:solidFill>
@@ -3630,7 +3631,7 @@
             </a:ln>
             <a:extLst>
               <a:ext uri="{91240B29-F687-4f45-9708-019B960494DF}">
-                <a14:hiddenLine xmlns="" xmlns:a14="http://schemas.microsoft.com/office/drawing/2010/main" w="9525">
+                <a14:hiddenLine xmlns:a14="http://schemas.microsoft.com/office/drawing/2010/main" xmlns="" w="9525">
                   <a:solidFill>
                     <a:srgbClr val="000000"/>
                   </a:solidFill>
@@ -3720,7 +3721,7 @@
             </a:ln>
             <a:extLst>
               <a:ext uri="{91240B29-F687-4f45-9708-019B960494DF}">
-                <a14:hiddenLine xmlns="" xmlns:a14="http://schemas.microsoft.com/office/drawing/2010/main" w="9525">
+                <a14:hiddenLine xmlns:a14="http://schemas.microsoft.com/office/drawing/2010/main" xmlns="" w="9525">
                   <a:solidFill>
                     <a:srgbClr val="000000"/>
                   </a:solidFill>
@@ -3782,7 +3783,7 @@
             </a:ln>
             <a:extLst>
               <a:ext uri="{91240B29-F687-4f45-9708-019B960494DF}">
-                <a14:hiddenLine xmlns="" xmlns:a14="http://schemas.microsoft.com/office/drawing/2010/main" w="9525">
+                <a14:hiddenLine xmlns:a14="http://schemas.microsoft.com/office/drawing/2010/main" xmlns="" w="9525">
                   <a:solidFill>
                     <a:srgbClr val="000000"/>
                   </a:solidFill>
@@ -3872,7 +3873,7 @@
             </a:ln>
             <a:extLst>
               <a:ext uri="{91240B29-F687-4f45-9708-019B960494DF}">
-                <a14:hiddenLine xmlns="" xmlns:a14="http://schemas.microsoft.com/office/drawing/2010/main" w="9525">
+                <a14:hiddenLine xmlns:a14="http://schemas.microsoft.com/office/drawing/2010/main" xmlns="" w="9525">
                   <a:solidFill>
                     <a:srgbClr val="000000"/>
                   </a:solidFill>
@@ -3962,7 +3963,7 @@
             </a:ln>
             <a:extLst>
               <a:ext uri="{91240B29-F687-4f45-9708-019B960494DF}">
-                <a14:hiddenLine xmlns="" xmlns:a14="http://schemas.microsoft.com/office/drawing/2010/main" w="9525">
+                <a14:hiddenLine xmlns:a14="http://schemas.microsoft.com/office/drawing/2010/main" xmlns="" w="9525">
                   <a:solidFill>
                     <a:srgbClr val="000000"/>
                   </a:solidFill>
@@ -4027,7 +4028,7 @@
             </a:ln>
             <a:extLst>
               <a:ext uri="{91240B29-F687-4f45-9708-019B960494DF}">
-                <a14:hiddenLine xmlns="" xmlns:a14="http://schemas.microsoft.com/office/drawing/2010/main" w="9525">
+                <a14:hiddenLine xmlns:a14="http://schemas.microsoft.com/office/drawing/2010/main" xmlns="" w="9525">
                   <a:solidFill>
                     <a:srgbClr val="000000"/>
                   </a:solidFill>
@@ -4089,7 +4090,7 @@
             </a:ln>
             <a:extLst>
               <a:ext uri="{91240B29-F687-4f45-9708-019B960494DF}">
-                <a14:hiddenLine xmlns="" xmlns:a14="http://schemas.microsoft.com/office/drawing/2010/main" w="9525">
+                <a14:hiddenLine xmlns:a14="http://schemas.microsoft.com/office/drawing/2010/main" xmlns="" w="9525">
                   <a:solidFill>
                     <a:srgbClr val="000000"/>
                   </a:solidFill>
@@ -4179,7 +4180,7 @@
             </a:ln>
             <a:extLst>
               <a:ext uri="{91240B29-F687-4f45-9708-019B960494DF}">
-                <a14:hiddenLine xmlns="" xmlns:a14="http://schemas.microsoft.com/office/drawing/2010/main" w="9525">
+                <a14:hiddenLine xmlns:a14="http://schemas.microsoft.com/office/drawing/2010/main" xmlns="" w="9525">
                   <a:solidFill>
                     <a:srgbClr val="000000"/>
                   </a:solidFill>
@@ -4269,7 +4270,7 @@
             </a:ln>
             <a:extLst>
               <a:ext uri="{91240B29-F687-4f45-9708-019B960494DF}">
-                <a14:hiddenLine xmlns="" xmlns:a14="http://schemas.microsoft.com/office/drawing/2010/main" w="9525">
+                <a14:hiddenLine xmlns:a14="http://schemas.microsoft.com/office/drawing/2010/main" xmlns="" w="9525">
                   <a:solidFill>
                     <a:srgbClr val="000000"/>
                   </a:solidFill>
@@ -4331,7 +4332,7 @@
             </a:ln>
             <a:extLst>
               <a:ext uri="{91240B29-F687-4f45-9708-019B960494DF}">
-                <a14:hiddenLine xmlns="" xmlns:a14="http://schemas.microsoft.com/office/drawing/2010/main" w="9525">
+                <a14:hiddenLine xmlns:a14="http://schemas.microsoft.com/office/drawing/2010/main" xmlns="" w="9525">
                   <a:solidFill>
                     <a:srgbClr val="000000"/>
                   </a:solidFill>
@@ -4451,7 +4452,7 @@
             </a:ln>
             <a:extLst>
               <a:ext uri="{91240B29-F687-4f45-9708-019B960494DF}">
-                <a14:hiddenLine xmlns="" xmlns:a14="http://schemas.microsoft.com/office/drawing/2010/main" w="9525">
+                <a14:hiddenLine xmlns:a14="http://schemas.microsoft.com/office/drawing/2010/main" xmlns="" w="9525">
                   <a:solidFill>
                     <a:srgbClr val="000000"/>
                   </a:solidFill>
@@ -4519,7 +4520,7 @@
             </a:ln>
             <a:extLst>
               <a:ext uri="{91240B29-F687-4f45-9708-019B960494DF}">
-                <a14:hiddenLine xmlns="" xmlns:a14="http://schemas.microsoft.com/office/drawing/2010/main" w="9525">
+                <a14:hiddenLine xmlns:a14="http://schemas.microsoft.com/office/drawing/2010/main" xmlns="" w="9525">
                   <a:solidFill>
                     <a:srgbClr val="000000"/>
                   </a:solidFill>
@@ -4609,7 +4610,7 @@
             </a:ln>
             <a:extLst>
               <a:ext uri="{91240B29-F687-4f45-9708-019B960494DF}">
-                <a14:hiddenLine xmlns="" xmlns:a14="http://schemas.microsoft.com/office/drawing/2010/main" w="9525">
+                <a14:hiddenLine xmlns:a14="http://schemas.microsoft.com/office/drawing/2010/main" xmlns="" w="9525">
                   <a:solidFill>
                     <a:srgbClr val="000000"/>
                   </a:solidFill>
@@ -4749,7 +4750,7 @@
           <a:p>
             <a:fld id="{48A87A34-81AB-432B-8DAE-1953F412C126}" type="datetimeFigureOut">
               <a:rPr lang="en-US" dirty="0"/>
-              <a:t>4/3/2020</a:t>
+              <a:t>4/24/2020</a:t>
             </a:fld>
             <a:endParaRPr lang="en-US" dirty="0"/>
           </a:p>
@@ -5011,7 +5012,7 @@
           <a:p>
             <a:fld id="{48A87A34-81AB-432B-8DAE-1953F412C126}" type="datetimeFigureOut">
               <a:rPr lang="en-US" dirty="0"/>
-              <a:t>4/3/2020</a:t>
+              <a:t>4/24/2020</a:t>
             </a:fld>
             <a:endParaRPr lang="en-US" dirty="0"/>
           </a:p>
@@ -5202,7 +5203,7 @@
           <a:p>
             <a:fld id="{48A87A34-81AB-432B-8DAE-1953F412C126}" type="datetimeFigureOut">
               <a:rPr lang="en-US" dirty="0"/>
-              <a:t>4/3/2020</a:t>
+              <a:t>4/24/2020</a:t>
             </a:fld>
             <a:endParaRPr lang="en-US" dirty="0"/>
           </a:p>
@@ -5460,7 +5461,7 @@
           <a:p>
             <a:fld id="{48A87A34-81AB-432B-8DAE-1953F412C126}" type="datetimeFigureOut">
               <a:rPr lang="en-US" dirty="0"/>
-              <a:t>4/3/2020</a:t>
+              <a:t>4/24/2020</a:t>
             </a:fld>
             <a:endParaRPr lang="en-US" dirty="0"/>
           </a:p>
@@ -5889,7 +5890,7 @@
           <a:p>
             <a:fld id="{48A87A34-81AB-432B-8DAE-1953F412C126}" type="datetimeFigureOut">
               <a:rPr lang="en-US" dirty="0"/>
-              <a:t>4/3/2020</a:t>
+              <a:t>4/24/2020</a:t>
             </a:fld>
             <a:endParaRPr lang="en-US" dirty="0"/>
           </a:p>
@@ -6430,7 +6431,7 @@
           <a:p>
             <a:fld id="{48A87A34-81AB-432B-8DAE-1953F412C126}" type="datetimeFigureOut">
               <a:rPr lang="en-US" dirty="0"/>
-              <a:t>4/3/2020</a:t>
+              <a:t>4/24/2020</a:t>
             </a:fld>
             <a:endParaRPr lang="en-US" dirty="0"/>
           </a:p>
@@ -7145,7 +7146,7 @@
           <a:p>
             <a:fld id="{48A87A34-81AB-432B-8DAE-1953F412C126}" type="datetimeFigureOut">
               <a:rPr lang="en-US" dirty="0"/>
-              <a:t>4/3/2020</a:t>
+              <a:t>4/24/2020</a:t>
             </a:fld>
             <a:endParaRPr lang="en-US" dirty="0"/>
           </a:p>
@@ -7310,7 +7311,7 @@
           <a:p>
             <a:fld id="{48A87A34-81AB-432B-8DAE-1953F412C126}" type="datetimeFigureOut">
               <a:rPr lang="en-US" dirty="0"/>
-              <a:t>4/3/2020</a:t>
+              <a:t>4/24/2020</a:t>
             </a:fld>
             <a:endParaRPr lang="en-US" dirty="0"/>
           </a:p>
@@ -7485,7 +7486,7 @@
           <a:p>
             <a:fld id="{48A87A34-81AB-432B-8DAE-1953F412C126}" type="datetimeFigureOut">
               <a:rPr lang="en-US" dirty="0"/>
-              <a:t>4/3/2020</a:t>
+              <a:t>4/24/2020</a:t>
             </a:fld>
             <a:endParaRPr lang="en-US" dirty="0"/>
           </a:p>
@@ -7650,7 +7651,7 @@
           <a:p>
             <a:fld id="{48A87A34-81AB-432B-8DAE-1953F412C126}" type="datetimeFigureOut">
               <a:rPr lang="en-US" dirty="0"/>
-              <a:t>4/3/2020</a:t>
+              <a:t>4/24/2020</a:t>
             </a:fld>
             <a:endParaRPr lang="en-US" dirty="0"/>
           </a:p>
@@ -7895,7 +7896,7 @@
           <a:p>
             <a:fld id="{48A87A34-81AB-432B-8DAE-1953F412C126}" type="datetimeFigureOut">
               <a:rPr lang="en-US" dirty="0"/>
-              <a:t>4/3/2020</a:t>
+              <a:t>4/24/2020</a:t>
             </a:fld>
             <a:endParaRPr lang="en-US" dirty="0"/>
           </a:p>
@@ -8122,7 +8123,7 @@
           <a:p>
             <a:fld id="{48A87A34-81AB-432B-8DAE-1953F412C126}" type="datetimeFigureOut">
               <a:rPr lang="en-US" dirty="0"/>
-              <a:t>4/3/2020</a:t>
+              <a:t>4/24/2020</a:t>
             </a:fld>
             <a:endParaRPr lang="en-US" dirty="0"/>
           </a:p>
@@ -8498,7 +8499,7 @@
           <a:p>
             <a:fld id="{48A87A34-81AB-432B-8DAE-1953F412C126}" type="datetimeFigureOut">
               <a:rPr lang="en-US" dirty="0"/>
-              <a:t>4/3/2020</a:t>
+              <a:t>4/24/2020</a:t>
             </a:fld>
             <a:endParaRPr lang="en-US" dirty="0"/>
           </a:p>
@@ -8611,7 +8612,7 @@
           <a:p>
             <a:fld id="{48A87A34-81AB-432B-8DAE-1953F412C126}" type="datetimeFigureOut">
               <a:rPr lang="en-US" dirty="0"/>
-              <a:t>4/3/2020</a:t>
+              <a:t>4/24/2020</a:t>
             </a:fld>
             <a:endParaRPr lang="en-US" dirty="0"/>
           </a:p>
@@ -8701,7 +8702,7 @@
           <a:p>
             <a:fld id="{48A87A34-81AB-432B-8DAE-1953F412C126}" type="datetimeFigureOut">
               <a:rPr lang="en-US" dirty="0"/>
-              <a:t>4/3/2020</a:t>
+              <a:t>4/24/2020</a:t>
             </a:fld>
             <a:endParaRPr lang="en-US" dirty="0"/>
           </a:p>
@@ -8945,7 +8946,7 @@
           <a:p>
             <a:fld id="{48A87A34-81AB-432B-8DAE-1953F412C126}" type="datetimeFigureOut">
               <a:rPr lang="en-US" dirty="0"/>
-              <a:t>4/3/2020</a:t>
+              <a:t>4/24/2020</a:t>
             </a:fld>
             <a:endParaRPr lang="en-US" dirty="0"/>
           </a:p>
@@ -9220,7 +9221,7 @@
           <a:p>
             <a:fld id="{48A87A34-81AB-432B-8DAE-1953F412C126}" type="datetimeFigureOut">
               <a:rPr lang="en-US" dirty="0"/>
-              <a:t>4/3/2020</a:t>
+              <a:t>4/24/2020</a:t>
             </a:fld>
             <a:endParaRPr lang="en-US" dirty="0"/>
           </a:p>
@@ -9331,7 +9332,7 @@
           <a:noFill/>
           <a:extLst>
             <a:ext uri="{909E8E84-426E-40dd-AFC4-6F175D3DCCD1}">
-              <a14:hiddenFill xmlns="" xmlns:a14="http://schemas.microsoft.com/office/drawing/2010/main">
+              <a14:hiddenFill xmlns:a14="http://schemas.microsoft.com/office/drawing/2010/main" xmlns="">
                 <a:solidFill>
                   <a:srgbClr val="FFFFFF"/>
                 </a:solidFill>
@@ -9405,7 +9406,7 @@
               </a:ln>
               <a:extLst>
                 <a:ext uri="{91240B29-F687-4f45-9708-019B960494DF}">
-                  <a14:hiddenLine xmlns="" xmlns:a14="http://schemas.microsoft.com/office/drawing/2010/main" w="9525">
+                  <a14:hiddenLine xmlns:a14="http://schemas.microsoft.com/office/drawing/2010/main" xmlns="" w="9525">
                     <a:solidFill>
                       <a:srgbClr val="000000"/>
                     </a:solidFill>
@@ -9495,7 +9496,7 @@
               </a:ln>
               <a:extLst>
                 <a:ext uri="{91240B29-F687-4f45-9708-019B960494DF}">
-                  <a14:hiddenLine xmlns="" xmlns:a14="http://schemas.microsoft.com/office/drawing/2010/main" w="9525">
+                  <a14:hiddenLine xmlns:a14="http://schemas.microsoft.com/office/drawing/2010/main" xmlns="" w="9525">
                     <a:solidFill>
                       <a:srgbClr val="000000"/>
                     </a:solidFill>
@@ -9585,7 +9586,7 @@
               </a:ln>
               <a:extLst>
                 <a:ext uri="{91240B29-F687-4f45-9708-019B960494DF}">
-                  <a14:hiddenLine xmlns="" xmlns:a14="http://schemas.microsoft.com/office/drawing/2010/main" w="9525">
+                  <a14:hiddenLine xmlns:a14="http://schemas.microsoft.com/office/drawing/2010/main" xmlns="" w="9525">
                     <a:solidFill>
                       <a:srgbClr val="000000"/>
                     </a:solidFill>
@@ -9647,7 +9648,7 @@
               </a:ln>
               <a:extLst>
                 <a:ext uri="{91240B29-F687-4f45-9708-019B960494DF}">
-                  <a14:hiddenLine xmlns="" xmlns:a14="http://schemas.microsoft.com/office/drawing/2010/main" w="9525">
+                  <a14:hiddenLine xmlns:a14="http://schemas.microsoft.com/office/drawing/2010/main" xmlns="" w="9525">
                     <a:solidFill>
                       <a:srgbClr val="000000"/>
                     </a:solidFill>
@@ -9737,7 +9738,7 @@
               </a:ln>
               <a:extLst>
                 <a:ext uri="{91240B29-F687-4f45-9708-019B960494DF}">
-                  <a14:hiddenLine xmlns="" xmlns:a14="http://schemas.microsoft.com/office/drawing/2010/main" w="9525">
+                  <a14:hiddenLine xmlns:a14="http://schemas.microsoft.com/office/drawing/2010/main" xmlns="" w="9525">
                     <a:solidFill>
                       <a:srgbClr val="000000"/>
                     </a:solidFill>
@@ -9799,7 +9800,7 @@
               </a:ln>
               <a:extLst>
                 <a:ext uri="{91240B29-F687-4f45-9708-019B960494DF}">
-                  <a14:hiddenLine xmlns="" xmlns:a14="http://schemas.microsoft.com/office/drawing/2010/main" w="9525">
+                  <a14:hiddenLine xmlns:a14="http://schemas.microsoft.com/office/drawing/2010/main" xmlns="" w="9525">
                     <a:solidFill>
                       <a:srgbClr val="000000"/>
                     </a:solidFill>
@@ -9861,7 +9862,7 @@
               </a:ln>
               <a:extLst>
                 <a:ext uri="{91240B29-F687-4f45-9708-019B960494DF}">
-                  <a14:hiddenLine xmlns="" xmlns:a14="http://schemas.microsoft.com/office/drawing/2010/main" w="9525">
+                  <a14:hiddenLine xmlns:a14="http://schemas.microsoft.com/office/drawing/2010/main" xmlns="" w="9525">
                     <a:solidFill>
                       <a:srgbClr val="000000"/>
                     </a:solidFill>
@@ -9951,7 +9952,7 @@
               </a:ln>
               <a:extLst>
                 <a:ext uri="{91240B29-F687-4f45-9708-019B960494DF}">
-                  <a14:hiddenLine xmlns="" xmlns:a14="http://schemas.microsoft.com/office/drawing/2010/main" w="9525">
+                  <a14:hiddenLine xmlns:a14="http://schemas.microsoft.com/office/drawing/2010/main" xmlns="" w="9525">
                     <a:solidFill>
                       <a:srgbClr val="000000"/>
                     </a:solidFill>
@@ -10041,7 +10042,7 @@
               </a:ln>
               <a:extLst>
                 <a:ext uri="{91240B29-F687-4f45-9708-019B960494DF}">
-                  <a14:hiddenLine xmlns="" xmlns:a14="http://schemas.microsoft.com/office/drawing/2010/main" w="9525">
+                  <a14:hiddenLine xmlns:a14="http://schemas.microsoft.com/office/drawing/2010/main" xmlns="" w="9525">
                     <a:solidFill>
                       <a:srgbClr val="000000"/>
                     </a:solidFill>
@@ -10103,7 +10104,7 @@
               </a:ln>
               <a:extLst>
                 <a:ext uri="{91240B29-F687-4f45-9708-019B960494DF}">
-                  <a14:hiddenLine xmlns="" xmlns:a14="http://schemas.microsoft.com/office/drawing/2010/main" w="9525">
+                  <a14:hiddenLine xmlns:a14="http://schemas.microsoft.com/office/drawing/2010/main" xmlns="" w="9525">
                     <a:solidFill>
                       <a:srgbClr val="000000"/>
                     </a:solidFill>
@@ -10213,7 +10214,7 @@
               </a:ln>
               <a:extLst>
                 <a:ext uri="{91240B29-F687-4f45-9708-019B960494DF}">
-                  <a14:hiddenLine xmlns="" xmlns:a14="http://schemas.microsoft.com/office/drawing/2010/main" w="9525">
+                  <a14:hiddenLine xmlns:a14="http://schemas.microsoft.com/office/drawing/2010/main" xmlns="" w="9525">
                     <a:solidFill>
                       <a:srgbClr val="000000"/>
                     </a:solidFill>
@@ -10297,7 +10298,7 @@
               </a:ln>
               <a:extLst>
                 <a:ext uri="{91240B29-F687-4f45-9708-019B960494DF}">
-                  <a14:hiddenLine xmlns="" xmlns:a14="http://schemas.microsoft.com/office/drawing/2010/main" w="9525">
+                  <a14:hiddenLine xmlns:a14="http://schemas.microsoft.com/office/drawing/2010/main" xmlns="" w="9525">
                     <a:solidFill>
                       <a:srgbClr val="000000"/>
                     </a:solidFill>
@@ -10359,7 +10360,7 @@
               </a:ln>
               <a:extLst>
                 <a:ext uri="{91240B29-F687-4f45-9708-019B960494DF}">
-                  <a14:hiddenLine xmlns="" xmlns:a14="http://schemas.microsoft.com/office/drawing/2010/main" w="9525">
+                  <a14:hiddenLine xmlns:a14="http://schemas.microsoft.com/office/drawing/2010/main" xmlns="" w="9525">
                     <a:solidFill>
                       <a:srgbClr val="000000"/>
                     </a:solidFill>
@@ -10421,7 +10422,7 @@
               </a:ln>
               <a:extLst>
                 <a:ext uri="{91240B29-F687-4f45-9708-019B960494DF}">
-                  <a14:hiddenLine xmlns="" xmlns:a14="http://schemas.microsoft.com/office/drawing/2010/main" w="9525">
+                  <a14:hiddenLine xmlns:a14="http://schemas.microsoft.com/office/drawing/2010/main" xmlns="" w="9525">
                     <a:solidFill>
                       <a:srgbClr val="000000"/>
                     </a:solidFill>
@@ -10511,7 +10512,7 @@
               </a:ln>
               <a:extLst>
                 <a:ext uri="{91240B29-F687-4f45-9708-019B960494DF}">
-                  <a14:hiddenLine xmlns="" xmlns:a14="http://schemas.microsoft.com/office/drawing/2010/main" w="9525">
+                  <a14:hiddenLine xmlns:a14="http://schemas.microsoft.com/office/drawing/2010/main" xmlns="" w="9525">
                     <a:solidFill>
                       <a:srgbClr val="000000"/>
                     </a:solidFill>
@@ -10545,7 +10546,7 @@
               </a:ln>
               <a:extLst>
                 <a:ext uri="{91240B29-F687-4f45-9708-019B960494DF}">
-                  <a14:hiddenLine xmlns="" xmlns:a14="http://schemas.microsoft.com/office/drawing/2010/main" w="9525">
+                  <a14:hiddenLine xmlns:a14="http://schemas.microsoft.com/office/drawing/2010/main" xmlns="" w="9525">
                     <a:solidFill>
                       <a:srgbClr val="000000"/>
                     </a:solidFill>
@@ -10610,7 +10611,7 @@
               </a:ln>
               <a:extLst>
                 <a:ext uri="{91240B29-F687-4f45-9708-019B960494DF}">
-                  <a14:hiddenLine xmlns="" xmlns:a14="http://schemas.microsoft.com/office/drawing/2010/main" w="9525">
+                  <a14:hiddenLine xmlns:a14="http://schemas.microsoft.com/office/drawing/2010/main" xmlns="" w="9525">
                     <a:solidFill>
                       <a:srgbClr val="000000"/>
                     </a:solidFill>
@@ -10700,7 +10701,7 @@
               </a:ln>
               <a:extLst>
                 <a:ext uri="{91240B29-F687-4f45-9708-019B960494DF}">
-                  <a14:hiddenLine xmlns="" xmlns:a14="http://schemas.microsoft.com/office/drawing/2010/main" w="9525">
+                  <a14:hiddenLine xmlns:a14="http://schemas.microsoft.com/office/drawing/2010/main" xmlns="" w="9525">
                     <a:solidFill>
                       <a:srgbClr val="000000"/>
                     </a:solidFill>
@@ -10762,7 +10763,7 @@
               </a:ln>
               <a:extLst>
                 <a:ext uri="{91240B29-F687-4f45-9708-019B960494DF}">
-                  <a14:hiddenLine xmlns="" xmlns:a14="http://schemas.microsoft.com/office/drawing/2010/main" w="9525">
+                  <a14:hiddenLine xmlns:a14="http://schemas.microsoft.com/office/drawing/2010/main" xmlns="" w="9525">
                     <a:solidFill>
                       <a:srgbClr val="000000"/>
                     </a:solidFill>
@@ -10852,7 +10853,7 @@
               </a:ln>
               <a:extLst>
                 <a:ext uri="{91240B29-F687-4f45-9708-019B960494DF}">
-                  <a14:hiddenLine xmlns="" xmlns:a14="http://schemas.microsoft.com/office/drawing/2010/main" w="9525">
+                  <a14:hiddenLine xmlns:a14="http://schemas.microsoft.com/office/drawing/2010/main" xmlns="" w="9525">
                     <a:solidFill>
                       <a:srgbClr val="000000"/>
                     </a:solidFill>
@@ -10917,7 +10918,7 @@
               </a:ln>
               <a:extLst>
                 <a:ext uri="{91240B29-F687-4f45-9708-019B960494DF}">
-                  <a14:hiddenLine xmlns="" xmlns:a14="http://schemas.microsoft.com/office/drawing/2010/main" w="9525">
+                  <a14:hiddenLine xmlns:a14="http://schemas.microsoft.com/office/drawing/2010/main" xmlns="" w="9525">
                     <a:solidFill>
                       <a:srgbClr val="000000"/>
                     </a:solidFill>
@@ -10979,7 +10980,7 @@
               </a:ln>
               <a:extLst>
                 <a:ext uri="{91240B29-F687-4f45-9708-019B960494DF}">
-                  <a14:hiddenLine xmlns="" xmlns:a14="http://schemas.microsoft.com/office/drawing/2010/main" w="9525">
+                  <a14:hiddenLine xmlns:a14="http://schemas.microsoft.com/office/drawing/2010/main" xmlns="" w="9525">
                     <a:solidFill>
                       <a:srgbClr val="000000"/>
                     </a:solidFill>
@@ -11069,7 +11070,7 @@
               </a:ln>
               <a:extLst>
                 <a:ext uri="{91240B29-F687-4f45-9708-019B960494DF}">
-                  <a14:hiddenLine xmlns="" xmlns:a14="http://schemas.microsoft.com/office/drawing/2010/main" w="9525">
+                  <a14:hiddenLine xmlns:a14="http://schemas.microsoft.com/office/drawing/2010/main" xmlns="" w="9525">
                     <a:solidFill>
                       <a:srgbClr val="000000"/>
                     </a:solidFill>
@@ -11159,7 +11160,7 @@
               </a:ln>
               <a:extLst>
                 <a:ext uri="{91240B29-F687-4f45-9708-019B960494DF}">
-                  <a14:hiddenLine xmlns="" xmlns:a14="http://schemas.microsoft.com/office/drawing/2010/main" w="9525">
+                  <a14:hiddenLine xmlns:a14="http://schemas.microsoft.com/office/drawing/2010/main" xmlns="" w="9525">
                     <a:solidFill>
                       <a:srgbClr val="000000"/>
                     </a:solidFill>
@@ -11224,7 +11225,7 @@
               </a:ln>
               <a:extLst>
                 <a:ext uri="{91240B29-F687-4f45-9708-019B960494DF}">
-                  <a14:hiddenLine xmlns="" xmlns:a14="http://schemas.microsoft.com/office/drawing/2010/main" w="9525">
+                  <a14:hiddenLine xmlns:a14="http://schemas.microsoft.com/office/drawing/2010/main" xmlns="" w="9525">
                     <a:solidFill>
                       <a:srgbClr val="000000"/>
                     </a:solidFill>
@@ -11344,7 +11345,7 @@
               </a:ln>
               <a:extLst>
                 <a:ext uri="{91240B29-F687-4f45-9708-019B960494DF}">
-                  <a14:hiddenLine xmlns="" xmlns:a14="http://schemas.microsoft.com/office/drawing/2010/main" w="9525">
+                  <a14:hiddenLine xmlns:a14="http://schemas.microsoft.com/office/drawing/2010/main" xmlns="" w="9525">
                     <a:solidFill>
                       <a:srgbClr val="000000"/>
                     </a:solidFill>
@@ -11442,7 +11443,7 @@
               </a:ln>
               <a:extLst>
                 <a:ext uri="{91240B29-F687-4f45-9708-019B960494DF}">
-                  <a14:hiddenLine xmlns="" xmlns:a14="http://schemas.microsoft.com/office/drawing/2010/main" w="9525">
+                  <a14:hiddenLine xmlns:a14="http://schemas.microsoft.com/office/drawing/2010/main" xmlns="" w="9525">
                     <a:solidFill>
                       <a:srgbClr val="000000"/>
                     </a:solidFill>
@@ -11557,7 +11558,7 @@
               </a:ln>
               <a:extLst>
                 <a:ext uri="{91240B29-F687-4f45-9708-019B960494DF}">
-                  <a14:hiddenLine xmlns="" xmlns:a14="http://schemas.microsoft.com/office/drawing/2010/main" w="9525">
+                  <a14:hiddenLine xmlns:a14="http://schemas.microsoft.com/office/drawing/2010/main" xmlns="" w="9525">
                     <a:solidFill>
                       <a:srgbClr val="000000"/>
                     </a:solidFill>
@@ -11647,7 +11648,7 @@
               </a:ln>
               <a:extLst>
                 <a:ext uri="{91240B29-F687-4f45-9708-019B960494DF}">
-                  <a14:hiddenLine xmlns="" xmlns:a14="http://schemas.microsoft.com/office/drawing/2010/main" w="9525">
+                  <a14:hiddenLine xmlns:a14="http://schemas.microsoft.com/office/drawing/2010/main" xmlns="" w="9525">
                     <a:solidFill>
                       <a:srgbClr val="000000"/>
                     </a:solidFill>
@@ -11712,7 +11713,7 @@
               </a:ln>
               <a:extLst>
                 <a:ext uri="{91240B29-F687-4f45-9708-019B960494DF}">
-                  <a14:hiddenLine xmlns="" xmlns:a14="http://schemas.microsoft.com/office/drawing/2010/main" w="9525">
+                  <a14:hiddenLine xmlns:a14="http://schemas.microsoft.com/office/drawing/2010/main" xmlns="" w="9525">
                     <a:solidFill>
                       <a:srgbClr val="000000"/>
                     </a:solidFill>
@@ -11802,7 +11803,7 @@
               </a:ln>
               <a:extLst>
                 <a:ext uri="{91240B29-F687-4f45-9708-019B960494DF}">
-                  <a14:hiddenLine xmlns="" xmlns:a14="http://schemas.microsoft.com/office/drawing/2010/main" w="9525">
+                  <a14:hiddenLine xmlns:a14="http://schemas.microsoft.com/office/drawing/2010/main" xmlns="" w="9525">
                     <a:solidFill>
                       <a:srgbClr val="000000"/>
                     </a:solidFill>
@@ -11870,7 +11871,7 @@
               </a:ln>
               <a:extLst>
                 <a:ext uri="{91240B29-F687-4f45-9708-019B960494DF}">
-                  <a14:hiddenLine xmlns="" xmlns:a14="http://schemas.microsoft.com/office/drawing/2010/main" w="9525">
+                  <a14:hiddenLine xmlns:a14="http://schemas.microsoft.com/office/drawing/2010/main" xmlns="" w="9525">
                     <a:solidFill>
                       <a:srgbClr val="000000"/>
                     </a:solidFill>
@@ -11960,7 +11961,7 @@
               </a:ln>
               <a:extLst>
                 <a:ext uri="{91240B29-F687-4f45-9708-019B960494DF}">
-                  <a14:hiddenLine xmlns="" xmlns:a14="http://schemas.microsoft.com/office/drawing/2010/main" w="9525">
+                  <a14:hiddenLine xmlns:a14="http://schemas.microsoft.com/office/drawing/2010/main" xmlns="" w="9525">
                     <a:solidFill>
                       <a:srgbClr val="000000"/>
                     </a:solidFill>
@@ -12028,7 +12029,7 @@
               </a:ln>
               <a:extLst>
                 <a:ext uri="{91240B29-F687-4f45-9708-019B960494DF}">
-                  <a14:hiddenLine xmlns="" xmlns:a14="http://schemas.microsoft.com/office/drawing/2010/main" w="9525">
+                  <a14:hiddenLine xmlns:a14="http://schemas.microsoft.com/office/drawing/2010/main" xmlns="" w="9525">
                     <a:solidFill>
                       <a:srgbClr val="000000"/>
                     </a:solidFill>
@@ -12118,7 +12119,7 @@
               </a:ln>
               <a:extLst>
                 <a:ext uri="{91240B29-F687-4f45-9708-019B960494DF}">
-                  <a14:hiddenLine xmlns="" xmlns:a14="http://schemas.microsoft.com/office/drawing/2010/main" w="9525">
+                  <a14:hiddenLine xmlns:a14="http://schemas.microsoft.com/office/drawing/2010/main" xmlns="" w="9525">
                     <a:solidFill>
                       <a:srgbClr val="000000"/>
                     </a:solidFill>
@@ -12152,7 +12153,7 @@
               </a:ln>
               <a:extLst>
                 <a:ext uri="{91240B29-F687-4f45-9708-019B960494DF}">
-                  <a14:hiddenLine xmlns="" xmlns:a14="http://schemas.microsoft.com/office/drawing/2010/main" w="9525">
+                  <a14:hiddenLine xmlns:a14="http://schemas.microsoft.com/office/drawing/2010/main" xmlns="" w="9525">
                     <a:solidFill>
                       <a:srgbClr val="000000"/>
                     </a:solidFill>
@@ -12293,7 +12294,7 @@
             <a:fld id="{48A87A34-81AB-432B-8DAE-1953F412C126}" type="datetimeFigureOut">
               <a:rPr lang="en-US" dirty="0"/>
               <a:pPr/>
-              <a:t>4/3/2020</a:t>
+              <a:t>4/24/2020</a:t>
             </a:fld>
             <a:endParaRPr lang="en-US" dirty="0"/>
           </a:p>
@@ -12824,6 +12825,124 @@
     <p:extLst>
       <p:ext uri="{BB962C8B-B14F-4D97-AF65-F5344CB8AC3E}">
         <p14:creationId xmlns:p14="http://schemas.microsoft.com/office/powerpoint/2010/main" val="2473655976"/>
+      </p:ext>
+    </p:extLst>
+  </p:cSld>
+  <p:clrMapOvr>
+    <a:masterClrMapping/>
+  </p:clrMapOvr>
+</p:sld>
+</file>
+
+<file path=ppt/slides/slide11.xml><?xml version="1.0" encoding="utf-8"?>
+<p:sld xmlns:a="http://schemas.openxmlformats.org/drawingml/2006/main" xmlns:r="http://schemas.openxmlformats.org/officeDocument/2006/relationships" xmlns:p="http://schemas.openxmlformats.org/presentationml/2006/main">
+  <p:cSld>
+    <p:spTree>
+      <p:nvGrpSpPr>
+        <p:cNvPr id="1" name=""/>
+        <p:cNvGrpSpPr/>
+        <p:nvPr/>
+      </p:nvGrpSpPr>
+      <p:grpSpPr>
+        <a:xfrm>
+          <a:off x="0" y="0"/>
+          <a:ext cx="0" cy="0"/>
+          <a:chOff x="0" y="0"/>
+          <a:chExt cx="0" cy="0"/>
+        </a:xfrm>
+      </p:grpSpPr>
+      <p:sp>
+        <p:nvSpPr>
+          <p:cNvPr id="2" name="Título 1">
+            <a:extLst>
+              <a:ext uri="{FF2B5EF4-FFF2-40B4-BE49-F238E27FC236}">
+                <a16:creationId xmlns:a16="http://schemas.microsoft.com/office/drawing/2014/main" id="{9240F38A-332A-4C71-8EFB-B8CC749E363F}"/>
+              </a:ext>
+            </a:extLst>
+          </p:cNvPr>
+          <p:cNvSpPr>
+            <a:spLocks noGrp="1"/>
+          </p:cNvSpPr>
+          <p:nvPr>
+            <p:ph type="title"/>
+          </p:nvPr>
+        </p:nvSpPr>
+        <p:spPr/>
+        <p:txBody>
+          <a:bodyPr/>
+          <a:lstStyle/>
+          <a:p>
+            <a:r>
+              <a:rPr lang="es-419" dirty="0"/>
+              <a:t>Ejercicio 3</a:t>
+            </a:r>
+            <a:endParaRPr lang="es-ES" dirty="0"/>
+          </a:p>
+        </p:txBody>
+      </p:sp>
+      <p:sp>
+        <p:nvSpPr>
+          <p:cNvPr id="3" name="Marcador de contenido 2">
+            <a:extLst>
+              <a:ext uri="{FF2B5EF4-FFF2-40B4-BE49-F238E27FC236}">
+                <a16:creationId xmlns:a16="http://schemas.microsoft.com/office/drawing/2014/main" id="{BC2771BB-E59C-4A54-AD9F-401483937049}"/>
+              </a:ext>
+            </a:extLst>
+          </p:cNvPr>
+          <p:cNvSpPr>
+            <a:spLocks noGrp="1"/>
+          </p:cNvSpPr>
+          <p:nvPr>
+            <p:ph idx="1"/>
+          </p:nvPr>
+        </p:nvSpPr>
+        <p:spPr/>
+        <p:txBody>
+          <a:bodyPr/>
+          <a:lstStyle/>
+          <a:p>
+            <a:r>
+              <a:rPr lang="es-419" dirty="0"/>
+              <a:t>Registrar múltiples productos a una factura.</a:t>
+            </a:r>
+            <a:endParaRPr lang="es-ES" dirty="0"/>
+          </a:p>
+        </p:txBody>
+      </p:sp>
+      <p:pic>
+        <p:nvPicPr>
+          <p:cNvPr id="5" name="Imagen 4">
+            <a:extLst>
+              <a:ext uri="{FF2B5EF4-FFF2-40B4-BE49-F238E27FC236}">
+                <a16:creationId xmlns:a16="http://schemas.microsoft.com/office/drawing/2014/main" id="{A579970D-086F-46D4-96A3-D0B11AE2FD73}"/>
+              </a:ext>
+            </a:extLst>
+          </p:cNvPr>
+          <p:cNvPicPr>
+            <a:picLocks noChangeAspect="1"/>
+          </p:cNvPicPr>
+          <p:nvPr/>
+        </p:nvPicPr>
+        <p:blipFill>
+          <a:blip r:embed="rId2"/>
+          <a:stretch>
+            <a:fillRect/>
+          </a:stretch>
+        </p:blipFill>
+        <p:spPr>
+          <a:xfrm>
+            <a:off x="2478775" y="2991933"/>
+            <a:ext cx="7231272" cy="3572678"/>
+          </a:xfrm>
+          <a:prstGeom prst="rect">
+            <a:avLst/>
+          </a:prstGeom>
+        </p:spPr>
+      </p:pic>
+    </p:spTree>
+    <p:extLst>
+      <p:ext uri="{BB962C8B-B14F-4D97-AF65-F5344CB8AC3E}">
+        <p14:creationId xmlns:p14="http://schemas.microsoft.com/office/powerpoint/2010/main" val="1190856823"/>
       </p:ext>
     </p:extLst>
   </p:cSld>
